--- a/Module 4/Module 4 slides.pptx
+++ b/Module 4/Module 4 slides.pptx
@@ -1153,6 +1153,67 @@
     <p:extLst>
       <p:ext uri="{BB962C8B-B14F-4D97-AF65-F5344CB8AC3E}">
         <p14:creationId xmlns:p14="http://schemas.microsoft.com/office/powerpoint/2010/main" val="77907673"/>
+      </p:ext>
+    </p:extLst>
+  </p:cSld>
+  <p:clrMapOvr>
+    <a:masterClrMapping/>
+  </p:clrMapOvr>
+</p:notes>
+</file>
+
+<file path=ppt/notesSlides/notesSlide6.xml><?xml version="1.0" encoding="utf-8"?>
+<p:notes xmlns:a="http://schemas.openxmlformats.org/drawingml/2006/main" xmlns:r="http://schemas.openxmlformats.org/officeDocument/2006/relationships" xmlns:p="http://schemas.openxmlformats.org/presentationml/2006/main">
+  <p:cSld>
+    <p:spTree>
+      <p:nvGrpSpPr>
+        <p:cNvPr id="1" name=""/>
+        <p:cNvGrpSpPr/>
+        <p:nvPr/>
+      </p:nvGrpSpPr>
+      <p:grpSpPr>
+        <a:xfrm>
+          <a:off x="0" y="0"/>
+          <a:ext cx="0" cy="0"/>
+          <a:chOff x="0" y="0"/>
+          <a:chExt cx="0" cy="0"/>
+        </a:xfrm>
+      </p:grpSpPr>
+      <p:sp>
+        <p:nvSpPr>
+          <p:cNvPr id="2" name="Slide Image Placeholder 1"/>
+          <p:cNvSpPr>
+            <a:spLocks noGrp="1" noRot="1" noChangeAspect="1"/>
+          </p:cNvSpPr>
+          <p:nvPr>
+            <p:ph type="sldImg"/>
+          </p:nvPr>
+        </p:nvSpPr>
+        <p:spPr/>
+      </p:sp>
+      <p:sp>
+        <p:nvSpPr>
+          <p:cNvPr id="3" name="Notes Placeholder 2"/>
+          <p:cNvSpPr>
+            <a:spLocks noGrp="1"/>
+          </p:cNvSpPr>
+          <p:nvPr>
+            <p:ph type="body" idx="1"/>
+          </p:nvPr>
+        </p:nvSpPr>
+        <p:spPr/>
+        <p:txBody>
+          <a:bodyPr/>
+          <a:lstStyle/>
+          <a:p>
+            <a:endParaRPr lang="en-US" dirty="0"/>
+          </a:p>
+        </p:txBody>
+      </p:sp>
+    </p:spTree>
+    <p:extLst>
+      <p:ext uri="{BB962C8B-B14F-4D97-AF65-F5344CB8AC3E}">
+        <p14:creationId xmlns:p14="http://schemas.microsoft.com/office/powerpoint/2010/main" val="1946962174"/>
       </p:ext>
     </p:extLst>
   </p:cSld>
@@ -6330,7 +6391,7 @@
           <p:nvPr>
             <p:extLst>
               <p:ext uri="{D42A27DB-BD31-4B8C-83A1-F6EECF244321}">
-                <p14:modId xmlns:p14="http://schemas.microsoft.com/office/powerpoint/2010/main" val="766764547"/>
+                <p14:modId xmlns:p14="http://schemas.microsoft.com/office/powerpoint/2010/main" val="36242584"/>
               </p:ext>
             </p:extLst>
           </p:nvPr>
@@ -7106,7 +7167,7 @@
                 <a:solidFill>
                   <a:schemeClr val="tx1"/>
                 </a:solidFill>
-                <a:hlinkClick r:id="rId2"/>
+                <a:hlinkClick r:id="rId3"/>
               </a:rPr>
               <a:t>Mitigating Unwanted Biases with Adversarial Learning</a:t>
             </a:r>
